--- a/1-CodeQuality/quality-slides.pptx
+++ b/1-CodeQuality/quality-slides.pptx
@@ -270,7 +270,7 @@
           <a:p>
             <a:fld id="{16E5F246-0B7D-44DF-8C1B-EDFCA5DA626A}" type="datetimeFigureOut">
               <a:rPr lang="ru-RU" smtClean="0"/>
-              <a:t>18.11.2015</a:t>
+              <a:t>19.11.2015</a:t>
             </a:fld>
             <a:endParaRPr lang="ru-RU"/>
           </a:p>
@@ -1551,7 +1551,7 @@
           <a:p>
             <a:fld id="{ED7A5A9E-355E-4F5A-82F5-195339D13266}" type="datetimeFigureOut">
               <a:rPr lang="ru-RU" smtClean="0"/>
-              <a:t>18.11.2015</a:t>
+              <a:t>19.11.2015</a:t>
             </a:fld>
             <a:endParaRPr lang="ru-RU"/>
           </a:p>
@@ -1721,7 +1721,7 @@
           <a:p>
             <a:fld id="{ED7A5A9E-355E-4F5A-82F5-195339D13266}" type="datetimeFigureOut">
               <a:rPr lang="ru-RU" smtClean="0"/>
-              <a:t>18.11.2015</a:t>
+              <a:t>19.11.2015</a:t>
             </a:fld>
             <a:endParaRPr lang="ru-RU"/>
           </a:p>
@@ -1901,7 +1901,7 @@
           <a:p>
             <a:fld id="{ED7A5A9E-355E-4F5A-82F5-195339D13266}" type="datetimeFigureOut">
               <a:rPr lang="ru-RU" smtClean="0"/>
-              <a:t>18.11.2015</a:t>
+              <a:t>19.11.2015</a:t>
             </a:fld>
             <a:endParaRPr lang="ru-RU"/>
           </a:p>
@@ -2071,7 +2071,7 @@
           <a:p>
             <a:fld id="{ED7A5A9E-355E-4F5A-82F5-195339D13266}" type="datetimeFigureOut">
               <a:rPr lang="ru-RU" smtClean="0"/>
-              <a:t>18.11.2015</a:t>
+              <a:t>19.11.2015</a:t>
             </a:fld>
             <a:endParaRPr lang="ru-RU"/>
           </a:p>
@@ -2317,7 +2317,7 @@
           <a:p>
             <a:fld id="{ED7A5A9E-355E-4F5A-82F5-195339D13266}" type="datetimeFigureOut">
               <a:rPr lang="ru-RU" smtClean="0"/>
-              <a:t>18.11.2015</a:t>
+              <a:t>19.11.2015</a:t>
             </a:fld>
             <a:endParaRPr lang="ru-RU"/>
           </a:p>
@@ -2605,7 +2605,7 @@
           <a:p>
             <a:fld id="{ED7A5A9E-355E-4F5A-82F5-195339D13266}" type="datetimeFigureOut">
               <a:rPr lang="ru-RU" smtClean="0"/>
-              <a:t>18.11.2015</a:t>
+              <a:t>19.11.2015</a:t>
             </a:fld>
             <a:endParaRPr lang="ru-RU"/>
           </a:p>
@@ -3027,7 +3027,7 @@
           <a:p>
             <a:fld id="{ED7A5A9E-355E-4F5A-82F5-195339D13266}" type="datetimeFigureOut">
               <a:rPr lang="ru-RU" smtClean="0"/>
-              <a:t>18.11.2015</a:t>
+              <a:t>19.11.2015</a:t>
             </a:fld>
             <a:endParaRPr lang="ru-RU"/>
           </a:p>
@@ -3145,7 +3145,7 @@
           <a:p>
             <a:fld id="{ED7A5A9E-355E-4F5A-82F5-195339D13266}" type="datetimeFigureOut">
               <a:rPr lang="ru-RU" smtClean="0"/>
-              <a:t>18.11.2015</a:t>
+              <a:t>19.11.2015</a:t>
             </a:fld>
             <a:endParaRPr lang="ru-RU"/>
           </a:p>
@@ -3240,7 +3240,7 @@
           <a:p>
             <a:fld id="{ED7A5A9E-355E-4F5A-82F5-195339D13266}" type="datetimeFigureOut">
               <a:rPr lang="ru-RU" smtClean="0"/>
-              <a:t>18.11.2015</a:t>
+              <a:t>19.11.2015</a:t>
             </a:fld>
             <a:endParaRPr lang="ru-RU"/>
           </a:p>
@@ -3517,7 +3517,7 @@
           <a:p>
             <a:fld id="{ED7A5A9E-355E-4F5A-82F5-195339D13266}" type="datetimeFigureOut">
               <a:rPr lang="ru-RU" smtClean="0"/>
-              <a:t>18.11.2015</a:t>
+              <a:t>19.11.2015</a:t>
             </a:fld>
             <a:endParaRPr lang="ru-RU"/>
           </a:p>
@@ -3770,7 +3770,7 @@
           <a:p>
             <a:fld id="{ED7A5A9E-355E-4F5A-82F5-195339D13266}" type="datetimeFigureOut">
               <a:rPr lang="ru-RU" smtClean="0"/>
-              <a:t>18.11.2015</a:t>
+              <a:t>19.11.2015</a:t>
             </a:fld>
             <a:endParaRPr lang="ru-RU"/>
           </a:p>
@@ -3983,7 +3983,7 @@
           <a:p>
             <a:fld id="{ED7A5A9E-355E-4F5A-82F5-195339D13266}" type="datetimeFigureOut">
               <a:rPr lang="ru-RU" smtClean="0"/>
-              <a:t>18.11.2015</a:t>
+              <a:t>19.11.2015</a:t>
             </a:fld>
             <a:endParaRPr lang="ru-RU"/>
           </a:p>
@@ -6441,19 +6441,7 @@
                 </a:highlight>
                 <a:latin typeface="Consolas"/>
               </a:rPr>
-              <a:t>points </a:t>
-            </a:r>
-            <a:r>
-              <a:rPr lang="en-US" sz="2400" dirty="0" smtClean="0">
-                <a:solidFill>
-                  <a:srgbClr val="000000"/>
-                </a:solidFill>
-                <a:highlight>
-                  <a:srgbClr val="FFFFFF"/>
-                </a:highlight>
-                <a:latin typeface="Consolas"/>
-              </a:rPr>
-              <a:t>= </a:t>
+              <a:t>points = </a:t>
             </a:r>
             <a:r>
               <a:rPr lang="en-US" sz="2400" dirty="0" err="1" smtClean="0">
@@ -6734,7 +6722,19 @@
                 </a:highlight>
                 <a:latin typeface="Consolas"/>
               </a:rPr>
-              <a:t> </a:t>
+              <a:t> =&gt; </a:t>
+            </a:r>
+            <a:r>
+              <a:rPr lang="en-US" sz="2400" dirty="0" err="1" smtClean="0">
+                <a:solidFill>
+                  <a:srgbClr val="000000"/>
+                </a:solidFill>
+                <a:highlight>
+                  <a:srgbClr val="FFFFFF"/>
+                </a:highlight>
+                <a:latin typeface="Consolas"/>
+              </a:rPr>
+              <a:t>Tuple.Create</a:t>
             </a:r>
             <a:r>
               <a:rPr lang="en-US" sz="2400" dirty="0" smtClean="0">
@@ -6746,7 +6746,7 @@
                 </a:highlight>
                 <a:latin typeface="Consolas"/>
               </a:rPr>
-              <a:t>=&gt; </a:t>
+              <a:t>(</a:t>
             </a:r>
             <a:r>
               <a:rPr lang="en-US" sz="2400" dirty="0" err="1" smtClean="0">
@@ -6758,7 +6758,7 @@
                 </a:highlight>
                 <a:latin typeface="Consolas"/>
               </a:rPr>
-              <a:t>Tuple.Create</a:t>
+              <a:t>xy</a:t>
             </a:r>
             <a:r>
               <a:rPr lang="en-US" sz="2400" dirty="0" smtClean="0">
@@ -6770,7 +6770,7 @@
                 </a:highlight>
                 <a:latin typeface="Consolas"/>
               </a:rPr>
-              <a:t>(</a:t>
+              <a:t>[0], </a:t>
             </a:r>
             <a:r>
               <a:rPr lang="en-US" sz="2400" dirty="0" err="1" smtClean="0">
@@ -6794,41 +6794,8 @@
                 </a:highlight>
                 <a:latin typeface="Consolas"/>
               </a:rPr>
-              <a:t>[0], </a:t>
-            </a:r>
-            <a:r>
-              <a:rPr lang="en-US" sz="2400" dirty="0" err="1" smtClean="0">
-                <a:solidFill>
-                  <a:srgbClr val="000000"/>
-                </a:solidFill>
-                <a:highlight>
-                  <a:srgbClr val="FFFFFF"/>
-                </a:highlight>
-                <a:latin typeface="Consolas"/>
-              </a:rPr>
-              <a:t>xy</a:t>
-            </a:r>
-            <a:r>
-              <a:rPr lang="en-US" sz="2400" dirty="0" smtClean="0">
-                <a:solidFill>
-                  <a:srgbClr val="000000"/>
-                </a:solidFill>
-                <a:highlight>
-                  <a:srgbClr val="FFFFFF"/>
-                </a:highlight>
-                <a:latin typeface="Consolas"/>
-              </a:rPr>
               <a:t>[1]));</a:t>
             </a:r>
-            <a:endParaRPr lang="en-US" sz="2400" dirty="0" smtClean="0">
-              <a:solidFill>
-                <a:srgbClr val="000000"/>
-              </a:solidFill>
-              <a:highlight>
-                <a:srgbClr val="FFFFFF"/>
-              </a:highlight>
-              <a:latin typeface="Consolas"/>
-            </a:endParaRPr>
           </a:p>
           <a:p>
             <a:pPr marL="0" indent="0">
@@ -8038,19 +8005,7 @@
                 </a:highlight>
                 <a:latin typeface="Consolas"/>
               </a:rPr>
-              <a:t>(p =&gt; p[0], p =&gt; p[1])</a:t>
-            </a:r>
-            <a:r>
-              <a:rPr lang="en-US" sz="2400" dirty="0" smtClean="0">
-                <a:solidFill>
-                  <a:srgbClr val="000000"/>
-                </a:solidFill>
-                <a:highlight>
-                  <a:srgbClr val="FFFFFF"/>
-                </a:highlight>
-                <a:latin typeface="Consolas"/>
-              </a:rPr>
-              <a:t>;</a:t>
+              <a:t>(p =&gt; p[0], p =&gt; p[1]);</a:t>
             </a:r>
           </a:p>
           <a:p>
@@ -9375,29 +9330,8 @@
                 </a:highlight>
                 <a:latin typeface="Consolas"/>
               </a:rPr>
-              <a:t>(word =&gt; word</a:t>
-            </a:r>
-            <a:r>
-              <a:rPr lang="en-US" sz="2400" dirty="0" smtClean="0">
-                <a:solidFill>
-                  <a:srgbClr val="000000"/>
-                </a:solidFill>
-                <a:highlight>
-                  <a:srgbClr val="FFFFFF"/>
-                </a:highlight>
-                <a:latin typeface="Consolas"/>
-              </a:rPr>
-              <a:t>)</a:t>
-            </a:r>
-            <a:endParaRPr lang="en-US" sz="2400" dirty="0" smtClean="0">
-              <a:solidFill>
-                <a:srgbClr val="000000"/>
-              </a:solidFill>
-              <a:highlight>
-                <a:srgbClr val="FFFFFF"/>
-              </a:highlight>
-              <a:latin typeface="Consolas"/>
-            </a:endParaRPr>
+              <a:t>(word =&gt; word)</a:t>
+            </a:r>
           </a:p>
           <a:p>
             <a:pPr marL="0" indent="0">
@@ -9639,7 +9573,12 @@
             <p:ph idx="1"/>
           </p:nvPr>
         </p:nvSpPr>
-        <p:spPr/>
+        <p:spPr>
+          <a:xfrm>
+            <a:off x="457200" y="1600200"/>
+            <a:ext cx="8229600" cy="4525963"/>
+          </a:xfrm>
+        </p:spPr>
         <p:txBody>
           <a:bodyPr>
             <a:normAutofit/>
@@ -9672,17 +9611,21 @@
           </a:p>
           <a:p>
             <a:r>
-              <a:rPr lang="ru-RU" sz="2800" dirty="0" smtClean="0"/>
-              <a:t>Работа в парах</a:t>
-            </a:r>
-          </a:p>
-          <a:p>
-            <a:r>
-              <a:rPr lang="ru-RU" sz="2800" dirty="0" smtClean="0"/>
-              <a:t>Чай-плюшки</a:t>
-            </a:r>
-          </a:p>
-          <a:p>
+              <a:rPr lang="en-US" sz="2800" smtClean="0"/>
+              <a:t>First Build </a:t>
+            </a:r>
+            <a:r>
+              <a:rPr lang="en-US" sz="2800" dirty="0" smtClean="0"/>
+              <a:t>Solution → Restore </a:t>
+            </a:r>
+            <a:r>
+              <a:rPr lang="en-US" sz="2800" dirty="0" err="1" smtClean="0"/>
+              <a:t>Nuget</a:t>
+            </a:r>
+            <a:r>
+              <a:rPr lang="en-US" sz="2800" dirty="0" smtClean="0"/>
+              <a:t> packages</a:t>
+            </a:r>
             <a:endParaRPr lang="en-US" sz="2800" dirty="0"/>
           </a:p>
           <a:p>
@@ -16132,7 +16075,7 @@
           <a:graphicData uri="http://schemas.openxmlformats.org/presentationml/2006/ole">
             <mc:AlternateContent xmlns:mc="http://schemas.openxmlformats.org/markup-compatibility/2006">
               <mc:Choice xmlns:v="urn:schemas-microsoft-com:vml" Requires="v">
-                <p:oleObj spid="_x0000_s3108" name="VISIO" r:id="rId4" imgW="2544803" imgH="251238" progId="Visio.Drawing.5">
+                <p:oleObj spid="_x0000_s3113" name="VISIO" r:id="rId4" imgW="2544803" imgH="251238" progId="Visio.Drawing.5">
                   <p:embed/>
                 </p:oleObj>
               </mc:Choice>
@@ -16829,11 +16772,7 @@
           <a:p>
             <a:r>
               <a:rPr lang="ru-RU" dirty="0" smtClean="0"/>
-              <a:t>Эвристики </a:t>
-            </a:r>
-            <a:r>
-              <a:rPr lang="ru-RU" dirty="0" smtClean="0"/>
-              <a:t>чистого кода</a:t>
+              <a:t>Эвристики чистого кода</a:t>
             </a:r>
             <a:endParaRPr lang="ru-RU" dirty="0"/>
           </a:p>
@@ -17213,11 +17152,7 @@
           <a:p>
             <a:r>
               <a:rPr lang="ru-RU" dirty="0" smtClean="0"/>
-              <a:t>Эвристики </a:t>
-            </a:r>
-            <a:r>
-              <a:rPr lang="ru-RU" dirty="0" smtClean="0"/>
-              <a:t>чистого кода</a:t>
+              <a:t>Эвристики чистого кода</a:t>
             </a:r>
             <a:endParaRPr lang="ru-RU" dirty="0"/>
           </a:p>
@@ -17490,11 +17425,7 @@
           <a:p>
             <a:r>
               <a:rPr lang="ru-RU" dirty="0" smtClean="0"/>
-              <a:t>Эвристики </a:t>
-            </a:r>
-            <a:r>
-              <a:rPr lang="ru-RU" dirty="0" smtClean="0"/>
-              <a:t>чистого кода</a:t>
+              <a:t>Эвристики чистого кода</a:t>
             </a:r>
             <a:endParaRPr lang="ru-RU" dirty="0"/>
           </a:p>
